--- a/class/micro2.pptx
+++ b/class/micro2.pptx
@@ -18,7 +18,10 @@
     <p:sldId id="281" r:id="rId12"/>
     <p:sldId id="282" r:id="rId13"/>
     <p:sldId id="283" r:id="rId14"/>
-    <p:sldId id="284" r:id="rId15"/>
+    <p:sldId id="286" r:id="rId15"/>
+    <p:sldId id="284" r:id="rId16"/>
+    <p:sldId id="285" r:id="rId17"/>
+    <p:sldId id="287" r:id="rId18"/>
   </p:sldIdLst>
   <p:sldSz cx="12192000" cy="6858000"/>
   <p:notesSz cx="6858000" cy="9144000"/>
@@ -6897,36 +6900,15 @@
         <p:spPr/>
         <p:txBody>
           <a:bodyPr>
-            <a:normAutofit fontScale="90000"/>
+            <a:normAutofit/>
           </a:bodyPr>
           <a:lstStyle/>
           <a:p>
             <a:r>
-              <a:rPr lang="en-US" dirty="0">
+              <a:rPr lang="fa-IR" dirty="0">
                 <a:cs typeface="B Titr" panose="00000700000000000000" pitchFamily="2" charset="-78"/>
               </a:rPr>
-              <a:t>BASIC</a:t>
-            </a:r>
-            <a:r>
-              <a:rPr lang="en-US" b="0" i="0" dirty="0">
-                <a:effectLst/>
-                <a:latin typeface="Arial" panose="020B0604020202020204" pitchFamily="34" charset="0"/>
-              </a:rPr>
-              <a:t> (</a:t>
-            </a:r>
-            <a:r>
-              <a:rPr lang="en-US" b="1" i="0" dirty="0">
-                <a:effectLst/>
-                <a:latin typeface="Arial" panose="020B0604020202020204" pitchFamily="34" charset="0"/>
-              </a:rPr>
-              <a:t>Beginners' All-purpose Symbolic Instruction Code</a:t>
-            </a:r>
-            <a:r>
-              <a:rPr lang="en-US" b="0" i="0" dirty="0">
-                <a:effectLst/>
-                <a:latin typeface="Arial" panose="020B0604020202020204" pitchFamily="34" charset="0"/>
-              </a:rPr>
-              <a:t>)</a:t>
+              <a:t>یک عملیات سطح پایین</a:t>
             </a:r>
             <a:endParaRPr lang="en-US" dirty="0">
               <a:cs typeface="B Titr" panose="00000700000000000000" pitchFamily="2" charset="-78"/>
@@ -6934,36 +6916,6 @@
           </a:p>
         </p:txBody>
       </p:sp>
-      <p:pic>
-        <p:nvPicPr>
-          <p:cNvPr id="4" name="Picture 3">
-            <a:extLst>
-              <a:ext uri="{FF2B5EF4-FFF2-40B4-BE49-F238E27FC236}">
-                <a16:creationId xmlns:a16="http://schemas.microsoft.com/office/drawing/2014/main" id="{4CD262B8-11C8-63AE-22E3-0E42E0C40CC9}"/>
-              </a:ext>
-            </a:extLst>
-          </p:cNvPr>
-          <p:cNvPicPr>
-            <a:picLocks noChangeAspect="1"/>
-          </p:cNvPicPr>
-          <p:nvPr/>
-        </p:nvPicPr>
-        <p:blipFill>
-          <a:blip r:embed="rId2"/>
-          <a:stretch>
-            <a:fillRect/>
-          </a:stretch>
-        </p:blipFill>
-        <p:spPr>
-          <a:xfrm>
-            <a:off x="1203512" y="2988982"/>
-            <a:ext cx="4191000" cy="2565400"/>
-          </a:xfrm>
-          <a:prstGeom prst="rect">
-            <a:avLst/>
-          </a:prstGeom>
-        </p:spPr>
-      </p:pic>
       <p:sp>
         <p:nvSpPr>
           <p:cNvPr id="6" name="Content Placeholder 2">
@@ -7157,22 +7109,1480 @@
           </a:lstStyle>
           <a:p>
             <a:pPr algn="r" rtl="1"/>
-            <a:r>
-              <a:rPr lang="en-US">
-                <a:cs typeface="B Yekan" panose="00000400000000000000" pitchFamily="2" charset="-78"/>
-              </a:rPr>
-              <a:t>High Level </a:t>
-            </a:r>
             <a:endParaRPr lang="en-US" dirty="0">
               <a:cs typeface="B Yekan" panose="00000400000000000000" pitchFamily="2" charset="-78"/>
             </a:endParaRPr>
           </a:p>
         </p:txBody>
       </p:sp>
+      <p:sp>
+        <p:nvSpPr>
+          <p:cNvPr id="3" name="TextBox 2">
+            <a:extLst>
+              <a:ext uri="{FF2B5EF4-FFF2-40B4-BE49-F238E27FC236}">
+                <a16:creationId xmlns:a16="http://schemas.microsoft.com/office/drawing/2014/main" id="{D1BB4414-26EF-5439-EDA4-7BB0C857CC96}"/>
+              </a:ext>
+            </a:extLst>
+          </p:cNvPr>
+          <p:cNvSpPr txBox="1"/>
+          <p:nvPr/>
+        </p:nvSpPr>
+        <p:spPr>
+          <a:xfrm>
+            <a:off x="2501154" y="2057401"/>
+            <a:ext cx="8875041" cy="4431983"/>
+          </a:xfrm>
+          <a:prstGeom prst="rect">
+            <a:avLst/>
+          </a:prstGeom>
+          <a:noFill/>
+        </p:spPr>
+        <p:txBody>
+          <a:bodyPr wrap="square" rtlCol="0">
+            <a:spAutoFit/>
+          </a:bodyPr>
+          <a:lstStyle/>
+          <a:p>
+            <a:pPr algn="r" rtl="1"/>
+            <a:r>
+              <a:rPr lang="fa-IR" dirty="0">
+                <a:cs typeface="B Yekan" panose="00000400000000000000" pitchFamily="2" charset="-78"/>
+              </a:rPr>
+              <a:t>فرض کنید در یک پردازنه 4 بیتی خواهی دو عدد را با هم جمع کنیم</a:t>
+            </a:r>
+          </a:p>
+          <a:p>
+            <a:pPr algn="r" rtl="1"/>
+            <a:endParaRPr lang="fa-IR" dirty="0">
+              <a:cs typeface="B Yekan" panose="00000400000000000000" pitchFamily="2" charset="-78"/>
+            </a:endParaRPr>
+          </a:p>
+          <a:p>
+            <a:pPr algn="r" rtl="1"/>
+            <a:r>
+              <a:rPr lang="fa-IR" dirty="0">
+                <a:cs typeface="B Yekan" panose="00000400000000000000" pitchFamily="2" charset="-78"/>
+              </a:rPr>
+              <a:t>مقدارذخیره شده در حافظه آدرس </a:t>
+            </a:r>
+            <a:r>
+              <a:rPr lang="en-US" dirty="0">
+                <a:cs typeface="B Yekan" panose="00000400000000000000" pitchFamily="2" charset="-78"/>
+              </a:rPr>
+              <a:t>0001</a:t>
+            </a:r>
+            <a:r>
+              <a:rPr lang="fa-IR" dirty="0">
+                <a:cs typeface="B Yekan" panose="00000400000000000000" pitchFamily="2" charset="-78"/>
+              </a:rPr>
+              <a:t> متغیر </a:t>
+            </a:r>
+            <a:r>
+              <a:rPr lang="en-US" dirty="0">
+                <a:cs typeface="B Yekan" panose="00000400000000000000" pitchFamily="2" charset="-78"/>
+              </a:rPr>
+              <a:t>a</a:t>
+            </a:r>
+            <a:r>
+              <a:rPr lang="fa-IR" dirty="0">
+                <a:cs typeface="B Yekan" panose="00000400000000000000" pitchFamily="2" charset="-78"/>
+              </a:rPr>
+              <a:t> است برابر یک است.</a:t>
+            </a:r>
+          </a:p>
+          <a:p>
+            <a:pPr algn="r" rtl="1"/>
+            <a:r>
+              <a:rPr lang="fa-IR" dirty="0">
+                <a:cs typeface="B Yekan" panose="00000400000000000000" pitchFamily="2" charset="-78"/>
+              </a:rPr>
+              <a:t>مقدارذخیره شده در حافظه آدرس </a:t>
+            </a:r>
+            <a:r>
+              <a:rPr lang="en-US" dirty="0">
+                <a:cs typeface="B Yekan" panose="00000400000000000000" pitchFamily="2" charset="-78"/>
+              </a:rPr>
+              <a:t>0011</a:t>
+            </a:r>
+            <a:r>
+              <a:rPr lang="fa-IR" dirty="0">
+                <a:cs typeface="B Yekan" panose="00000400000000000000" pitchFamily="2" charset="-78"/>
+              </a:rPr>
+              <a:t> متغیر </a:t>
+            </a:r>
+            <a:r>
+              <a:rPr lang="en-US" dirty="0">
+                <a:cs typeface="B Yekan" panose="00000400000000000000" pitchFamily="2" charset="-78"/>
+              </a:rPr>
+              <a:t>c</a:t>
+            </a:r>
+            <a:r>
+              <a:rPr lang="fa-IR" dirty="0">
+                <a:cs typeface="B Yekan" panose="00000400000000000000" pitchFamily="2" charset="-78"/>
+              </a:rPr>
+              <a:t> است برابر دو است.</a:t>
+            </a:r>
+          </a:p>
+          <a:p>
+            <a:pPr algn="r" rtl="1"/>
+            <a:r>
+              <a:rPr lang="fa-IR" dirty="0">
+                <a:cs typeface="B Yekan" panose="00000400000000000000" pitchFamily="2" charset="-78"/>
+              </a:rPr>
+              <a:t>حاصل نهایی در حافظه در آدرس </a:t>
+            </a:r>
+            <a:r>
+              <a:rPr lang="en-US" dirty="0">
+                <a:cs typeface="B Yekan" panose="00000400000000000000" pitchFamily="2" charset="-78"/>
+              </a:rPr>
+              <a:t>0100 </a:t>
+            </a:r>
+            <a:r>
+              <a:rPr lang="fa-IR" dirty="0">
+                <a:cs typeface="B Yekan" panose="00000400000000000000" pitchFamily="2" charset="-78"/>
+              </a:rPr>
+              <a:t> که متغیر </a:t>
+            </a:r>
+            <a:r>
+              <a:rPr lang="en-US" dirty="0">
+                <a:cs typeface="B Yekan" panose="00000400000000000000" pitchFamily="2" charset="-78"/>
+              </a:rPr>
+              <a:t>b</a:t>
+            </a:r>
+            <a:r>
+              <a:rPr lang="fa-IR" dirty="0">
+                <a:cs typeface="B Yekan" panose="00000400000000000000" pitchFamily="2" charset="-78"/>
+              </a:rPr>
+              <a:t> است ذخیره می شود.(یک + دو = سه)</a:t>
+            </a:r>
+            <a:endParaRPr lang="en-US" dirty="0">
+              <a:cs typeface="B Yekan" panose="00000400000000000000" pitchFamily="2" charset="-78"/>
+            </a:endParaRPr>
+          </a:p>
+          <a:p>
+            <a:pPr algn="r" rtl="1"/>
+            <a:r>
+              <a:rPr lang="fa-IR" dirty="0">
+                <a:cs typeface="B Yekan" panose="00000400000000000000" pitchFamily="2" charset="-78"/>
+              </a:rPr>
+              <a:t>عملیاتی که باید اجرا شود در آدرس </a:t>
+            </a:r>
+            <a:r>
+              <a:rPr lang="en-US" dirty="0">
+                <a:cs typeface="B Yekan" panose="00000400000000000000" pitchFamily="2" charset="-78"/>
+              </a:rPr>
+              <a:t>0010 </a:t>
+            </a:r>
+            <a:r>
+              <a:rPr lang="fa-IR" dirty="0">
+                <a:cs typeface="B Yekan" panose="00000400000000000000" pitchFamily="2" charset="-78"/>
+              </a:rPr>
+              <a:t> ذخیره شده است که جمع است توسط </a:t>
+            </a:r>
+            <a:r>
+              <a:rPr lang="en-US" dirty="0">
+                <a:cs typeface="B Yekan" panose="00000400000000000000" pitchFamily="2" charset="-78"/>
+              </a:rPr>
+              <a:t>Control Address</a:t>
+            </a:r>
+            <a:r>
+              <a:rPr lang="fa-IR" dirty="0">
+                <a:cs typeface="B Yekan" panose="00000400000000000000" pitchFamily="2" charset="-78"/>
+              </a:rPr>
+              <a:t> به پردازنده اعلام می شود.</a:t>
+            </a:r>
+          </a:p>
+          <a:p>
+            <a:pPr algn="r" rtl="1"/>
+            <a:endParaRPr lang="fa-IR" dirty="0">
+              <a:cs typeface="B Yekan" panose="00000400000000000000" pitchFamily="2" charset="-78"/>
+            </a:endParaRPr>
+          </a:p>
+          <a:p>
+            <a:pPr algn="r" rtl="1"/>
+            <a:r>
+              <a:rPr lang="fa-IR" dirty="0">
+                <a:cs typeface="B Yekan" panose="00000400000000000000" pitchFamily="2" charset="-78"/>
+              </a:rPr>
+              <a:t>پردازنده </a:t>
+            </a:r>
+            <a:r>
+              <a:rPr lang="en-US" dirty="0">
+                <a:cs typeface="B Yekan" panose="00000400000000000000" pitchFamily="2" charset="-78"/>
+              </a:rPr>
+              <a:t>a </a:t>
+            </a:r>
+            <a:r>
+              <a:rPr lang="fa-IR" dirty="0">
+                <a:cs typeface="B Yekan" panose="00000400000000000000" pitchFamily="2" charset="-78"/>
+              </a:rPr>
+              <a:t> ، </a:t>
+            </a:r>
+            <a:r>
+              <a:rPr lang="en-US" dirty="0">
+                <a:cs typeface="B Yekan" panose="00000400000000000000" pitchFamily="2" charset="-78"/>
+              </a:rPr>
+              <a:t>b</a:t>
+            </a:r>
+            <a:r>
+              <a:rPr lang="fa-IR" dirty="0">
+                <a:cs typeface="B Yekan" panose="00000400000000000000" pitchFamily="2" charset="-78"/>
+              </a:rPr>
+              <a:t> و عملیات را از طریق </a:t>
+            </a:r>
+            <a:r>
+              <a:rPr lang="en-US" dirty="0">
+                <a:cs typeface="B Yekan" panose="00000400000000000000" pitchFamily="2" charset="-78"/>
+              </a:rPr>
+              <a:t>Address Bus</a:t>
+            </a:r>
+            <a:r>
+              <a:rPr lang="fa-IR" dirty="0">
+                <a:cs typeface="B Yekan" panose="00000400000000000000" pitchFamily="2" charset="-78"/>
+              </a:rPr>
+              <a:t> از حافظه با </a:t>
+            </a:r>
+            <a:r>
+              <a:rPr lang="en-US" dirty="0">
+                <a:cs typeface="B Yekan" panose="00000400000000000000" pitchFamily="2" charset="-78"/>
+              </a:rPr>
+              <a:t>Data Bus</a:t>
+            </a:r>
+            <a:r>
+              <a:rPr lang="fa-IR" dirty="0">
+                <a:cs typeface="B Yekan" panose="00000400000000000000" pitchFamily="2" charset="-78"/>
+              </a:rPr>
+              <a:t>فراخوانی می کند</a:t>
+            </a:r>
+            <a:endParaRPr lang="en-US" dirty="0">
+              <a:cs typeface="B Yekan" panose="00000400000000000000" pitchFamily="2" charset="-78"/>
+            </a:endParaRPr>
+          </a:p>
+          <a:p>
+            <a:pPr algn="r" rtl="1"/>
+            <a:r>
+              <a:rPr lang="fa-IR" dirty="0">
+                <a:cs typeface="B Yekan" panose="00000400000000000000" pitchFamily="2" charset="-78"/>
+              </a:rPr>
+              <a:t>حالا ورودی به پردازنده  به ترتیب </a:t>
+            </a:r>
+            <a:r>
+              <a:rPr lang="en-US" dirty="0">
+                <a:cs typeface="B Yekan" panose="00000400000000000000" pitchFamily="2" charset="-78"/>
+              </a:rPr>
+              <a:t>000100110010</a:t>
+            </a:r>
+            <a:r>
+              <a:rPr lang="fa-IR" dirty="0">
+                <a:cs typeface="B Yekan" panose="00000400000000000000" pitchFamily="2" charset="-78"/>
+              </a:rPr>
+              <a:t> خواهد بود و خروجی </a:t>
+            </a:r>
+            <a:r>
+              <a:rPr lang="en-US" dirty="0">
+                <a:cs typeface="B Yekan" panose="00000400000000000000" pitchFamily="2" charset="-78"/>
+              </a:rPr>
+              <a:t>Data Bus</a:t>
+            </a:r>
+            <a:r>
+              <a:rPr lang="fa-IR" dirty="0">
+                <a:cs typeface="B Yekan" panose="00000400000000000000" pitchFamily="2" charset="-78"/>
+              </a:rPr>
+              <a:t>  </a:t>
+            </a:r>
+            <a:r>
+              <a:rPr lang="en-US" dirty="0">
+                <a:cs typeface="B Yekan" panose="00000400000000000000" pitchFamily="2" charset="-78"/>
+              </a:rPr>
+              <a:t>0011</a:t>
+            </a:r>
+            <a:r>
+              <a:rPr lang="fa-IR" dirty="0">
+                <a:cs typeface="B Yekan" panose="00000400000000000000" pitchFamily="2" charset="-78"/>
+              </a:rPr>
+              <a:t> و بر روی ادرس داده </a:t>
+            </a:r>
+            <a:r>
+              <a:rPr lang="en-US" dirty="0">
+                <a:cs typeface="B Yekan" panose="00000400000000000000" pitchFamily="2" charset="-78"/>
+              </a:rPr>
+              <a:t>0100 </a:t>
+            </a:r>
+            <a:r>
+              <a:rPr lang="fa-IR" dirty="0">
+                <a:cs typeface="B Yekan" panose="00000400000000000000" pitchFamily="2" charset="-78"/>
+              </a:rPr>
+              <a:t> خواهد بود.</a:t>
+            </a:r>
+          </a:p>
+          <a:p>
+            <a:pPr algn="r" rtl="1"/>
+            <a:endParaRPr lang="fa-IR" dirty="0">
+              <a:cs typeface="B Yekan" panose="00000400000000000000" pitchFamily="2" charset="-78"/>
+            </a:endParaRPr>
+          </a:p>
+          <a:p>
+            <a:pPr algn="r" rtl="1"/>
+            <a:endParaRPr lang="fa-IR" dirty="0">
+              <a:cs typeface="B Yekan" panose="00000400000000000000" pitchFamily="2" charset="-78"/>
+            </a:endParaRPr>
+          </a:p>
+          <a:p>
+            <a:pPr algn="ctr" rtl="1"/>
+            <a:r>
+              <a:rPr lang="fa-IR" sz="2400" b="1" dirty="0">
+                <a:cs typeface="B Yekan" panose="00000400000000000000" pitchFamily="2" charset="-78"/>
+              </a:rPr>
+              <a:t>این کار در حالت عادی بسیار مشکل است</a:t>
+            </a:r>
+          </a:p>
+          <a:p>
+            <a:pPr algn="ctr" rtl="1"/>
+            <a:r>
+              <a:rPr lang="fa-IR" sz="2400" b="1" dirty="0">
+                <a:cs typeface="B Yekan" panose="00000400000000000000" pitchFamily="2" charset="-78"/>
+              </a:rPr>
+              <a:t>پس از زبان های </a:t>
+            </a:r>
+            <a:r>
+              <a:rPr lang="en-US" sz="2400" b="1" dirty="0">
+                <a:cs typeface="B Yekan" panose="00000400000000000000" pitchFamily="2" charset="-78"/>
+              </a:rPr>
+              <a:t>High Level</a:t>
+            </a:r>
+            <a:r>
+              <a:rPr lang="fa-IR" sz="2400" b="1" dirty="0">
+                <a:cs typeface="B Yekan" panose="00000400000000000000" pitchFamily="2" charset="-78"/>
+              </a:rPr>
+              <a:t> استفاده می کنیم.</a:t>
+            </a:r>
+          </a:p>
+        </p:txBody>
+      </p:sp>
+    </p:spTree>
+    <p:extLst>
+      <p:ext uri="{BB962C8B-B14F-4D97-AF65-F5344CB8AC3E}">
+        <p14:creationId xmlns:p14="http://schemas.microsoft.com/office/powerpoint/2010/main" val="4119112410"/>
+      </p:ext>
+    </p:extLst>
+  </p:cSld>
+  <p:clrMapOvr>
+    <a:masterClrMapping/>
+  </p:clrMapOvr>
+</p:sld>
+</file>
+
+<file path=ppt/slides/slide15.xml><?xml version="1.0" encoding="utf-8"?>
+<p:sld xmlns:a="http://schemas.openxmlformats.org/drawingml/2006/main" xmlns:r="http://schemas.openxmlformats.org/officeDocument/2006/relationships" xmlns:p="http://schemas.openxmlformats.org/presentationml/2006/main">
+  <p:cSld>
+    <p:spTree>
+      <p:nvGrpSpPr>
+        <p:cNvPr id="1" name=""/>
+        <p:cNvGrpSpPr/>
+        <p:nvPr/>
+      </p:nvGrpSpPr>
+      <p:grpSpPr>
+        <a:xfrm>
+          <a:off x="0" y="0"/>
+          <a:ext cx="0" cy="0"/>
+          <a:chOff x="0" y="0"/>
+          <a:chExt cx="0" cy="0"/>
+        </a:xfrm>
+      </p:grpSpPr>
+      <p:sp>
+        <p:nvSpPr>
+          <p:cNvPr id="2" name="Title 1">
+            <a:extLst>
+              <a:ext uri="{FF2B5EF4-FFF2-40B4-BE49-F238E27FC236}">
+                <a16:creationId xmlns:a16="http://schemas.microsoft.com/office/drawing/2014/main" id="{856C7422-8099-6D5D-6DE3-FC740C14487C}"/>
+              </a:ext>
+            </a:extLst>
+          </p:cNvPr>
+          <p:cNvSpPr>
+            <a:spLocks noGrp="1"/>
+          </p:cNvSpPr>
+          <p:nvPr>
+            <p:ph type="title"/>
+          </p:nvPr>
+        </p:nvSpPr>
+        <p:spPr/>
+        <p:txBody>
+          <a:bodyPr>
+            <a:normAutofit fontScale="90000"/>
+          </a:bodyPr>
+          <a:lstStyle/>
+          <a:p>
+            <a:r>
+              <a:rPr lang="en-US" dirty="0">
+                <a:cs typeface="B Titr" panose="00000700000000000000" pitchFamily="2" charset="-78"/>
+              </a:rPr>
+              <a:t>BASIC</a:t>
+            </a:r>
+            <a:r>
+              <a:rPr lang="en-US" b="0" i="0" dirty="0">
+                <a:effectLst/>
+                <a:latin typeface="Arial" panose="020B0604020202020204" pitchFamily="34" charset="0"/>
+              </a:rPr>
+              <a:t> (</a:t>
+            </a:r>
+            <a:r>
+              <a:rPr lang="en-US" b="1" i="0" dirty="0">
+                <a:effectLst/>
+                <a:latin typeface="Arial" panose="020B0604020202020204" pitchFamily="34" charset="0"/>
+              </a:rPr>
+              <a:t>Beginners' All-purpose Symbolic Instruction Code</a:t>
+            </a:r>
+            <a:r>
+              <a:rPr lang="en-US" b="0" i="0" dirty="0">
+                <a:effectLst/>
+                <a:latin typeface="Arial" panose="020B0604020202020204" pitchFamily="34" charset="0"/>
+              </a:rPr>
+              <a:t>)</a:t>
+            </a:r>
+            <a:endParaRPr lang="en-US" dirty="0">
+              <a:cs typeface="B Titr" panose="00000700000000000000" pitchFamily="2" charset="-78"/>
+            </a:endParaRPr>
+          </a:p>
+        </p:txBody>
+      </p:sp>
+      <p:sp>
+        <p:nvSpPr>
+          <p:cNvPr id="6" name="Content Placeholder 2">
+            <a:extLst>
+              <a:ext uri="{FF2B5EF4-FFF2-40B4-BE49-F238E27FC236}">
+                <a16:creationId xmlns:a16="http://schemas.microsoft.com/office/drawing/2014/main" id="{D0A38C59-427F-060E-9FF8-B74F3C7FEF08}"/>
+              </a:ext>
+            </a:extLst>
+          </p:cNvPr>
+          <p:cNvSpPr txBox="1">
+            <a:spLocks/>
+          </p:cNvSpPr>
+          <p:nvPr/>
+        </p:nvSpPr>
+        <p:spPr>
+          <a:xfrm>
+            <a:off x="685800" y="2194560"/>
+            <a:ext cx="10820400" cy="4024125"/>
+          </a:xfrm>
+          <a:prstGeom prst="rect">
+            <a:avLst/>
+          </a:prstGeom>
+        </p:spPr>
+        <p:txBody>
+          <a:bodyPr vert="horz" lIns="91440" tIns="45720" rIns="91440" bIns="45720" rtlCol="0">
+            <a:normAutofit/>
+          </a:bodyPr>
+          <a:lstStyle>
+            <a:lvl1pPr marL="228600" indent="-228600" algn="l" defTabSz="914400" rtl="0" eaLnBrk="1" latinLnBrk="0" hangingPunct="1">
+              <a:lnSpc>
+                <a:spcPct val="90000"/>
+              </a:lnSpc>
+              <a:spcBef>
+                <a:spcPts val="1000"/>
+              </a:spcBef>
+              <a:buFont typeface="Arial" panose="020B0604020202020204" pitchFamily="34" charset="0"/>
+              <a:buChar char="•"/>
+              <a:defRPr sz="2200" kern="1200">
+                <a:solidFill>
+                  <a:schemeClr val="tx1"/>
+                </a:solidFill>
+                <a:latin typeface="+mn-lt"/>
+                <a:ea typeface="+mn-ea"/>
+                <a:cs typeface="+mn-cs"/>
+              </a:defRPr>
+            </a:lvl1pPr>
+            <a:lvl2pPr marL="685800" indent="-228600" algn="l" defTabSz="914400" rtl="0" eaLnBrk="1" latinLnBrk="0" hangingPunct="1">
+              <a:lnSpc>
+                <a:spcPct val="90000"/>
+              </a:lnSpc>
+              <a:spcBef>
+                <a:spcPts val="500"/>
+              </a:spcBef>
+              <a:buFont typeface="Arial" panose="020B0604020202020204" pitchFamily="34" charset="0"/>
+              <a:buChar char="•"/>
+              <a:defRPr sz="2000" kern="1200">
+                <a:solidFill>
+                  <a:schemeClr val="tx1"/>
+                </a:solidFill>
+                <a:latin typeface="+mn-lt"/>
+                <a:ea typeface="+mn-ea"/>
+                <a:cs typeface="+mn-cs"/>
+              </a:defRPr>
+            </a:lvl2pPr>
+            <a:lvl3pPr marL="1143000" indent="-228600" algn="l" defTabSz="914400" rtl="0" eaLnBrk="1" latinLnBrk="0" hangingPunct="1">
+              <a:lnSpc>
+                <a:spcPct val="90000"/>
+              </a:lnSpc>
+              <a:spcBef>
+                <a:spcPts val="500"/>
+              </a:spcBef>
+              <a:buFont typeface="Arial" panose="020B0604020202020204" pitchFamily="34" charset="0"/>
+              <a:buChar char="•"/>
+              <a:defRPr sz="1800" kern="1200">
+                <a:solidFill>
+                  <a:schemeClr val="tx1"/>
+                </a:solidFill>
+                <a:latin typeface="+mn-lt"/>
+                <a:ea typeface="+mn-ea"/>
+                <a:cs typeface="+mn-cs"/>
+              </a:defRPr>
+            </a:lvl3pPr>
+            <a:lvl4pPr marL="1600200" indent="-228600" algn="l" defTabSz="914400" rtl="0" eaLnBrk="1" latinLnBrk="0" hangingPunct="1">
+              <a:lnSpc>
+                <a:spcPct val="90000"/>
+              </a:lnSpc>
+              <a:spcBef>
+                <a:spcPts val="500"/>
+              </a:spcBef>
+              <a:buFont typeface="Arial" panose="020B0604020202020204" pitchFamily="34" charset="0"/>
+              <a:buChar char="•"/>
+              <a:defRPr sz="1600" kern="1200">
+                <a:solidFill>
+                  <a:schemeClr val="tx1"/>
+                </a:solidFill>
+                <a:latin typeface="+mn-lt"/>
+                <a:ea typeface="+mn-ea"/>
+                <a:cs typeface="+mn-cs"/>
+              </a:defRPr>
+            </a:lvl4pPr>
+            <a:lvl5pPr marL="2057400" indent="-228600" algn="l" defTabSz="914400" rtl="0" eaLnBrk="1" latinLnBrk="0" hangingPunct="1">
+              <a:lnSpc>
+                <a:spcPct val="90000"/>
+              </a:lnSpc>
+              <a:spcBef>
+                <a:spcPts val="500"/>
+              </a:spcBef>
+              <a:buFont typeface="Arial" panose="020B0604020202020204" pitchFamily="34" charset="0"/>
+              <a:buChar char="•"/>
+              <a:defRPr sz="1600" kern="1200">
+                <a:solidFill>
+                  <a:schemeClr val="tx1"/>
+                </a:solidFill>
+                <a:latin typeface="+mn-lt"/>
+                <a:ea typeface="+mn-ea"/>
+                <a:cs typeface="+mn-cs"/>
+              </a:defRPr>
+            </a:lvl5pPr>
+            <a:lvl6pPr marL="2514600" indent="-228600" algn="l" defTabSz="914400" rtl="0" eaLnBrk="1" latinLnBrk="0" hangingPunct="1">
+              <a:lnSpc>
+                <a:spcPct val="90000"/>
+              </a:lnSpc>
+              <a:spcBef>
+                <a:spcPts val="500"/>
+              </a:spcBef>
+              <a:buFont typeface="Arial" panose="020B0604020202020204" pitchFamily="34" charset="0"/>
+              <a:buChar char="•"/>
+              <a:defRPr sz="1600" kern="1200">
+                <a:solidFill>
+                  <a:schemeClr val="tx1"/>
+                </a:solidFill>
+                <a:latin typeface="+mn-lt"/>
+                <a:ea typeface="+mn-ea"/>
+                <a:cs typeface="+mn-cs"/>
+              </a:defRPr>
+            </a:lvl6pPr>
+            <a:lvl7pPr marL="2971800" indent="-228600" algn="l" defTabSz="914400" rtl="0" eaLnBrk="1" latinLnBrk="0" hangingPunct="1">
+              <a:lnSpc>
+                <a:spcPct val="90000"/>
+              </a:lnSpc>
+              <a:spcBef>
+                <a:spcPts val="500"/>
+              </a:spcBef>
+              <a:buFont typeface="Arial" panose="020B0604020202020204" pitchFamily="34" charset="0"/>
+              <a:buChar char="•"/>
+              <a:defRPr sz="1600" kern="1200">
+                <a:solidFill>
+                  <a:schemeClr val="tx1"/>
+                </a:solidFill>
+                <a:latin typeface="+mn-lt"/>
+                <a:ea typeface="+mn-ea"/>
+                <a:cs typeface="+mn-cs"/>
+              </a:defRPr>
+            </a:lvl7pPr>
+            <a:lvl8pPr marL="3429000" indent="-228600" algn="l" defTabSz="914400" rtl="0" eaLnBrk="1" latinLnBrk="0" hangingPunct="1">
+              <a:lnSpc>
+                <a:spcPct val="90000"/>
+              </a:lnSpc>
+              <a:spcBef>
+                <a:spcPts val="500"/>
+              </a:spcBef>
+              <a:buFont typeface="Arial" panose="020B0604020202020204" pitchFamily="34" charset="0"/>
+              <a:buChar char="•"/>
+              <a:defRPr sz="1600" kern="1200">
+                <a:solidFill>
+                  <a:schemeClr val="tx1"/>
+                </a:solidFill>
+                <a:latin typeface="+mn-lt"/>
+                <a:ea typeface="+mn-ea"/>
+                <a:cs typeface="+mn-cs"/>
+              </a:defRPr>
+            </a:lvl8pPr>
+            <a:lvl9pPr marL="3886200" indent="-228600" algn="l" defTabSz="914400" rtl="0" eaLnBrk="1" latinLnBrk="0" hangingPunct="1">
+              <a:lnSpc>
+                <a:spcPct val="90000"/>
+              </a:lnSpc>
+              <a:spcBef>
+                <a:spcPts val="500"/>
+              </a:spcBef>
+              <a:buFont typeface="Arial" panose="020B0604020202020204" pitchFamily="34" charset="0"/>
+              <a:buChar char="•"/>
+              <a:defRPr sz="1600" kern="1200">
+                <a:solidFill>
+                  <a:schemeClr val="tx1"/>
+                </a:solidFill>
+                <a:latin typeface="+mn-lt"/>
+                <a:ea typeface="+mn-ea"/>
+                <a:cs typeface="+mn-cs"/>
+              </a:defRPr>
+            </a:lvl9pPr>
+          </a:lstStyle>
+          <a:p>
+            <a:pPr algn="r" rtl="1"/>
+            <a:r>
+              <a:rPr lang="en-US" dirty="0">
+                <a:cs typeface="B Yekan" panose="00000400000000000000" pitchFamily="2" charset="-78"/>
+              </a:rPr>
+              <a:t>High Level </a:t>
+            </a:r>
+          </a:p>
+          <a:p>
+            <a:pPr algn="r" rtl="1"/>
+            <a:r>
+              <a:rPr lang="fa-IR" dirty="0">
+                <a:cs typeface="B Yekan" panose="00000400000000000000" pitchFamily="2" charset="-78"/>
+              </a:rPr>
+              <a:t>استفاده آسان برای همه</a:t>
+            </a:r>
+          </a:p>
+          <a:p>
+            <a:pPr algn="r" rtl="1"/>
+            <a:r>
+              <a:rPr lang="fa-IR" dirty="0">
+                <a:cs typeface="B Yekan" panose="00000400000000000000" pitchFamily="2" charset="-78"/>
+              </a:rPr>
+              <a:t>یک زبان برنامه نویسی همه منظوره</a:t>
+            </a:r>
+          </a:p>
+          <a:p>
+            <a:pPr algn="r" rtl="1"/>
+            <a:r>
+              <a:rPr lang="fa-IR" dirty="0">
+                <a:cs typeface="B Yekan" panose="00000400000000000000" pitchFamily="2" charset="-78"/>
+              </a:rPr>
+              <a:t>برای برنامه های کوچک قابل استفاده باشد</a:t>
+            </a:r>
+          </a:p>
+          <a:p>
+            <a:pPr algn="r" rtl="1"/>
+            <a:r>
+              <a:rPr lang="fa-IR" dirty="0">
+                <a:cs typeface="B Yekan" panose="00000400000000000000" pitchFamily="2" charset="-78"/>
+              </a:rPr>
+              <a:t>نیازی به شناخت سخت افزار نباشد</a:t>
+            </a:r>
+          </a:p>
+          <a:p>
+            <a:pPr algn="r" rtl="1"/>
+            <a:r>
+              <a:rPr lang="fa-IR" dirty="0">
+                <a:cs typeface="B Yekan" panose="00000400000000000000" pitchFamily="2" charset="-78"/>
+              </a:rPr>
+              <a:t>کاربردرگیر سیستم عامل نشود</a:t>
+            </a:r>
+          </a:p>
+          <a:p>
+            <a:pPr algn="r" rtl="1"/>
+            <a:endParaRPr lang="en-US" dirty="0">
+              <a:cs typeface="B Yekan" panose="00000400000000000000" pitchFamily="2" charset="-78"/>
+            </a:endParaRPr>
+          </a:p>
+        </p:txBody>
+      </p:sp>
+      <p:pic>
+        <p:nvPicPr>
+          <p:cNvPr id="5" name="Picture 4">
+            <a:extLst>
+              <a:ext uri="{FF2B5EF4-FFF2-40B4-BE49-F238E27FC236}">
+                <a16:creationId xmlns:a16="http://schemas.microsoft.com/office/drawing/2014/main" id="{639BC7B4-3417-BFD7-75C8-88E0800918B1}"/>
+              </a:ext>
+            </a:extLst>
+          </p:cNvPr>
+          <p:cNvPicPr>
+            <a:picLocks noChangeAspect="1"/>
+          </p:cNvPicPr>
+          <p:nvPr/>
+        </p:nvPicPr>
+        <p:blipFill>
+          <a:blip r:embed="rId2"/>
+          <a:stretch>
+            <a:fillRect/>
+          </a:stretch>
+        </p:blipFill>
+        <p:spPr>
+          <a:xfrm>
+            <a:off x="217394" y="2664627"/>
+            <a:ext cx="5715000" cy="3429000"/>
+          </a:xfrm>
+          <a:prstGeom prst="rect">
+            <a:avLst/>
+          </a:prstGeom>
+        </p:spPr>
+      </p:pic>
     </p:spTree>
     <p:extLst>
       <p:ext uri="{BB962C8B-B14F-4D97-AF65-F5344CB8AC3E}">
         <p14:creationId xmlns:p14="http://schemas.microsoft.com/office/powerpoint/2010/main" val="1687308435"/>
+      </p:ext>
+    </p:extLst>
+  </p:cSld>
+  <p:clrMapOvr>
+    <a:masterClrMapping/>
+  </p:clrMapOvr>
+</p:sld>
+</file>
+
+<file path=ppt/slides/slide16.xml><?xml version="1.0" encoding="utf-8"?>
+<p:sld xmlns:a="http://schemas.openxmlformats.org/drawingml/2006/main" xmlns:r="http://schemas.openxmlformats.org/officeDocument/2006/relationships" xmlns:p="http://schemas.openxmlformats.org/presentationml/2006/main">
+  <p:cSld>
+    <p:spTree>
+      <p:nvGrpSpPr>
+        <p:cNvPr id="1" name=""/>
+        <p:cNvGrpSpPr/>
+        <p:nvPr/>
+      </p:nvGrpSpPr>
+      <p:grpSpPr>
+        <a:xfrm>
+          <a:off x="0" y="0"/>
+          <a:ext cx="0" cy="0"/>
+          <a:chOff x="0" y="0"/>
+          <a:chExt cx="0" cy="0"/>
+        </a:xfrm>
+      </p:grpSpPr>
+      <p:sp>
+        <p:nvSpPr>
+          <p:cNvPr id="2" name="Title 1">
+            <a:extLst>
+              <a:ext uri="{FF2B5EF4-FFF2-40B4-BE49-F238E27FC236}">
+                <a16:creationId xmlns:a16="http://schemas.microsoft.com/office/drawing/2014/main" id="{856C7422-8099-6D5D-6DE3-FC740C14487C}"/>
+              </a:ext>
+            </a:extLst>
+          </p:cNvPr>
+          <p:cNvSpPr>
+            <a:spLocks noGrp="1"/>
+          </p:cNvSpPr>
+          <p:nvPr>
+            <p:ph type="title"/>
+          </p:nvPr>
+        </p:nvSpPr>
+        <p:spPr/>
+        <p:txBody>
+          <a:bodyPr>
+            <a:normAutofit/>
+          </a:bodyPr>
+          <a:lstStyle/>
+          <a:p>
+            <a:r>
+              <a:rPr lang="en-US" dirty="0">
+                <a:cs typeface="B Titr" panose="00000700000000000000" pitchFamily="2" charset="-78"/>
+              </a:rPr>
+              <a:t>C/C++/C#</a:t>
+            </a:r>
+          </a:p>
+        </p:txBody>
+      </p:sp>
+      <p:sp>
+        <p:nvSpPr>
+          <p:cNvPr id="6" name="Content Placeholder 2">
+            <a:extLst>
+              <a:ext uri="{FF2B5EF4-FFF2-40B4-BE49-F238E27FC236}">
+                <a16:creationId xmlns:a16="http://schemas.microsoft.com/office/drawing/2014/main" id="{D0A38C59-427F-060E-9FF8-B74F3C7FEF08}"/>
+              </a:ext>
+            </a:extLst>
+          </p:cNvPr>
+          <p:cNvSpPr txBox="1">
+            <a:spLocks/>
+          </p:cNvSpPr>
+          <p:nvPr/>
+        </p:nvSpPr>
+        <p:spPr>
+          <a:xfrm>
+            <a:off x="685800" y="2194560"/>
+            <a:ext cx="10820400" cy="4024125"/>
+          </a:xfrm>
+          <a:prstGeom prst="rect">
+            <a:avLst/>
+          </a:prstGeom>
+        </p:spPr>
+        <p:txBody>
+          <a:bodyPr vert="horz" lIns="91440" tIns="45720" rIns="91440" bIns="45720" rtlCol="0">
+            <a:normAutofit/>
+          </a:bodyPr>
+          <a:lstStyle>
+            <a:lvl1pPr marL="228600" indent="-228600" algn="l" defTabSz="914400" rtl="0" eaLnBrk="1" latinLnBrk="0" hangingPunct="1">
+              <a:lnSpc>
+                <a:spcPct val="90000"/>
+              </a:lnSpc>
+              <a:spcBef>
+                <a:spcPts val="1000"/>
+              </a:spcBef>
+              <a:buFont typeface="Arial" panose="020B0604020202020204" pitchFamily="34" charset="0"/>
+              <a:buChar char="•"/>
+              <a:defRPr sz="2200" kern="1200">
+                <a:solidFill>
+                  <a:schemeClr val="tx1"/>
+                </a:solidFill>
+                <a:latin typeface="+mn-lt"/>
+                <a:ea typeface="+mn-ea"/>
+                <a:cs typeface="+mn-cs"/>
+              </a:defRPr>
+            </a:lvl1pPr>
+            <a:lvl2pPr marL="685800" indent="-228600" algn="l" defTabSz="914400" rtl="0" eaLnBrk="1" latinLnBrk="0" hangingPunct="1">
+              <a:lnSpc>
+                <a:spcPct val="90000"/>
+              </a:lnSpc>
+              <a:spcBef>
+                <a:spcPts val="500"/>
+              </a:spcBef>
+              <a:buFont typeface="Arial" panose="020B0604020202020204" pitchFamily="34" charset="0"/>
+              <a:buChar char="•"/>
+              <a:defRPr sz="2000" kern="1200">
+                <a:solidFill>
+                  <a:schemeClr val="tx1"/>
+                </a:solidFill>
+                <a:latin typeface="+mn-lt"/>
+                <a:ea typeface="+mn-ea"/>
+                <a:cs typeface="+mn-cs"/>
+              </a:defRPr>
+            </a:lvl2pPr>
+            <a:lvl3pPr marL="1143000" indent="-228600" algn="l" defTabSz="914400" rtl="0" eaLnBrk="1" latinLnBrk="0" hangingPunct="1">
+              <a:lnSpc>
+                <a:spcPct val="90000"/>
+              </a:lnSpc>
+              <a:spcBef>
+                <a:spcPts val="500"/>
+              </a:spcBef>
+              <a:buFont typeface="Arial" panose="020B0604020202020204" pitchFamily="34" charset="0"/>
+              <a:buChar char="•"/>
+              <a:defRPr sz="1800" kern="1200">
+                <a:solidFill>
+                  <a:schemeClr val="tx1"/>
+                </a:solidFill>
+                <a:latin typeface="+mn-lt"/>
+                <a:ea typeface="+mn-ea"/>
+                <a:cs typeface="+mn-cs"/>
+              </a:defRPr>
+            </a:lvl3pPr>
+            <a:lvl4pPr marL="1600200" indent="-228600" algn="l" defTabSz="914400" rtl="0" eaLnBrk="1" latinLnBrk="0" hangingPunct="1">
+              <a:lnSpc>
+                <a:spcPct val="90000"/>
+              </a:lnSpc>
+              <a:spcBef>
+                <a:spcPts val="500"/>
+              </a:spcBef>
+              <a:buFont typeface="Arial" panose="020B0604020202020204" pitchFamily="34" charset="0"/>
+              <a:buChar char="•"/>
+              <a:defRPr sz="1600" kern="1200">
+                <a:solidFill>
+                  <a:schemeClr val="tx1"/>
+                </a:solidFill>
+                <a:latin typeface="+mn-lt"/>
+                <a:ea typeface="+mn-ea"/>
+                <a:cs typeface="+mn-cs"/>
+              </a:defRPr>
+            </a:lvl4pPr>
+            <a:lvl5pPr marL="2057400" indent="-228600" algn="l" defTabSz="914400" rtl="0" eaLnBrk="1" latinLnBrk="0" hangingPunct="1">
+              <a:lnSpc>
+                <a:spcPct val="90000"/>
+              </a:lnSpc>
+              <a:spcBef>
+                <a:spcPts val="500"/>
+              </a:spcBef>
+              <a:buFont typeface="Arial" panose="020B0604020202020204" pitchFamily="34" charset="0"/>
+              <a:buChar char="•"/>
+              <a:defRPr sz="1600" kern="1200">
+                <a:solidFill>
+                  <a:schemeClr val="tx1"/>
+                </a:solidFill>
+                <a:latin typeface="+mn-lt"/>
+                <a:ea typeface="+mn-ea"/>
+                <a:cs typeface="+mn-cs"/>
+              </a:defRPr>
+            </a:lvl5pPr>
+            <a:lvl6pPr marL="2514600" indent="-228600" algn="l" defTabSz="914400" rtl="0" eaLnBrk="1" latinLnBrk="0" hangingPunct="1">
+              <a:lnSpc>
+                <a:spcPct val="90000"/>
+              </a:lnSpc>
+              <a:spcBef>
+                <a:spcPts val="500"/>
+              </a:spcBef>
+              <a:buFont typeface="Arial" panose="020B0604020202020204" pitchFamily="34" charset="0"/>
+              <a:buChar char="•"/>
+              <a:defRPr sz="1600" kern="1200">
+                <a:solidFill>
+                  <a:schemeClr val="tx1"/>
+                </a:solidFill>
+                <a:latin typeface="+mn-lt"/>
+                <a:ea typeface="+mn-ea"/>
+                <a:cs typeface="+mn-cs"/>
+              </a:defRPr>
+            </a:lvl6pPr>
+            <a:lvl7pPr marL="2971800" indent="-228600" algn="l" defTabSz="914400" rtl="0" eaLnBrk="1" latinLnBrk="0" hangingPunct="1">
+              <a:lnSpc>
+                <a:spcPct val="90000"/>
+              </a:lnSpc>
+              <a:spcBef>
+                <a:spcPts val="500"/>
+              </a:spcBef>
+              <a:buFont typeface="Arial" panose="020B0604020202020204" pitchFamily="34" charset="0"/>
+              <a:buChar char="•"/>
+              <a:defRPr sz="1600" kern="1200">
+                <a:solidFill>
+                  <a:schemeClr val="tx1"/>
+                </a:solidFill>
+                <a:latin typeface="+mn-lt"/>
+                <a:ea typeface="+mn-ea"/>
+                <a:cs typeface="+mn-cs"/>
+              </a:defRPr>
+            </a:lvl7pPr>
+            <a:lvl8pPr marL="3429000" indent="-228600" algn="l" defTabSz="914400" rtl="0" eaLnBrk="1" latinLnBrk="0" hangingPunct="1">
+              <a:lnSpc>
+                <a:spcPct val="90000"/>
+              </a:lnSpc>
+              <a:spcBef>
+                <a:spcPts val="500"/>
+              </a:spcBef>
+              <a:buFont typeface="Arial" panose="020B0604020202020204" pitchFamily="34" charset="0"/>
+              <a:buChar char="•"/>
+              <a:defRPr sz="1600" kern="1200">
+                <a:solidFill>
+                  <a:schemeClr val="tx1"/>
+                </a:solidFill>
+                <a:latin typeface="+mn-lt"/>
+                <a:ea typeface="+mn-ea"/>
+                <a:cs typeface="+mn-cs"/>
+              </a:defRPr>
+            </a:lvl8pPr>
+            <a:lvl9pPr marL="3886200" indent="-228600" algn="l" defTabSz="914400" rtl="0" eaLnBrk="1" latinLnBrk="0" hangingPunct="1">
+              <a:lnSpc>
+                <a:spcPct val="90000"/>
+              </a:lnSpc>
+              <a:spcBef>
+                <a:spcPts val="500"/>
+              </a:spcBef>
+              <a:buFont typeface="Arial" panose="020B0604020202020204" pitchFamily="34" charset="0"/>
+              <a:buChar char="•"/>
+              <a:defRPr sz="1600" kern="1200">
+                <a:solidFill>
+                  <a:schemeClr val="tx1"/>
+                </a:solidFill>
+                <a:latin typeface="+mn-lt"/>
+                <a:ea typeface="+mn-ea"/>
+                <a:cs typeface="+mn-cs"/>
+              </a:defRPr>
+            </a:lvl9pPr>
+          </a:lstStyle>
+          <a:p>
+            <a:pPr algn="r" rtl="1"/>
+            <a:r>
+              <a:rPr lang="en-US" dirty="0">
+                <a:cs typeface="B Yekan" panose="00000400000000000000" pitchFamily="2" charset="-78"/>
+              </a:rPr>
+              <a:t>High Level </a:t>
+            </a:r>
+          </a:p>
+          <a:p>
+            <a:pPr algn="r" rtl="1"/>
+            <a:r>
+              <a:rPr lang="fa-IR" dirty="0">
+                <a:cs typeface="B Yekan" panose="00000400000000000000" pitchFamily="2" charset="-78"/>
+              </a:rPr>
+              <a:t>تقریبا همه جا کاربرد دارد</a:t>
+            </a:r>
+          </a:p>
+          <a:p>
+            <a:pPr algn="r" rtl="1"/>
+            <a:r>
+              <a:rPr lang="fa-IR" dirty="0">
+                <a:cs typeface="B Yekan" panose="00000400000000000000" pitchFamily="2" charset="-78"/>
+              </a:rPr>
+              <a:t>نیاز به درگیری با سخت افزار نیست</a:t>
+            </a:r>
+          </a:p>
+          <a:p>
+            <a:pPr algn="r" rtl="1"/>
+            <a:r>
+              <a:rPr lang="fa-IR" dirty="0">
+                <a:cs typeface="B Yekan" panose="00000400000000000000" pitchFamily="2" charset="-78"/>
+              </a:rPr>
+              <a:t>برنامه های خیلی کاربری را می توان با آن ساخت</a:t>
+            </a:r>
+          </a:p>
+          <a:p>
+            <a:pPr algn="r" rtl="1"/>
+            <a:r>
+              <a:rPr lang="fa-IR" dirty="0">
+                <a:cs typeface="B Yekan" panose="00000400000000000000" pitchFamily="2" charset="-78"/>
+              </a:rPr>
+              <a:t>با کمک اشاره گر میتوان به سطوح پایین تر زیر دسترسی داشت</a:t>
+            </a:r>
+          </a:p>
+          <a:p>
+            <a:pPr algn="r" rtl="1"/>
+            <a:r>
+              <a:rPr lang="fa-IR" dirty="0">
+                <a:cs typeface="B Yekan" panose="00000400000000000000" pitchFamily="2" charset="-78"/>
+              </a:rPr>
+              <a:t>به خاطر </a:t>
+            </a:r>
+            <a:r>
+              <a:rPr lang="en-US" dirty="0">
+                <a:cs typeface="B Yekan" panose="00000400000000000000" pitchFamily="2" charset="-78"/>
+              </a:rPr>
+              <a:t>syntax</a:t>
+            </a:r>
+            <a:r>
+              <a:rPr lang="fa-IR" dirty="0">
+                <a:cs typeface="B Yekan" panose="00000400000000000000" pitchFamily="2" charset="-78"/>
+              </a:rPr>
+              <a:t> خوانا مبنای بسیاری از زبان ها هست</a:t>
+            </a:r>
+          </a:p>
+          <a:p>
+            <a:pPr algn="r" rtl="1"/>
+            <a:endParaRPr lang="en-US" dirty="0">
+              <a:cs typeface="B Yekan" panose="00000400000000000000" pitchFamily="2" charset="-78"/>
+            </a:endParaRPr>
+          </a:p>
+        </p:txBody>
+      </p:sp>
+      <p:pic>
+        <p:nvPicPr>
+          <p:cNvPr id="4" name="Picture 3">
+            <a:extLst>
+              <a:ext uri="{FF2B5EF4-FFF2-40B4-BE49-F238E27FC236}">
+                <a16:creationId xmlns:a16="http://schemas.microsoft.com/office/drawing/2014/main" id="{1B1B5DFB-8DFA-B58C-3A5E-7B4FA81084F1}"/>
+              </a:ext>
+            </a:extLst>
+          </p:cNvPr>
+          <p:cNvPicPr>
+            <a:picLocks noChangeAspect="1"/>
+          </p:cNvPicPr>
+          <p:nvPr/>
+        </p:nvPicPr>
+        <p:blipFill>
+          <a:blip r:embed="rId2"/>
+          <a:stretch>
+            <a:fillRect/>
+          </a:stretch>
+        </p:blipFill>
+        <p:spPr>
+          <a:xfrm>
+            <a:off x="950332" y="2294965"/>
+            <a:ext cx="3385373" cy="2393576"/>
+          </a:xfrm>
+          <a:prstGeom prst="roundRect">
+            <a:avLst>
+              <a:gd name="adj" fmla="val 8594"/>
+            </a:avLst>
+          </a:prstGeom>
+          <a:solidFill>
+            <a:srgbClr val="FFFFFF">
+              <a:shade val="85000"/>
+            </a:srgbClr>
+          </a:solidFill>
+          <a:ln>
+            <a:noFill/>
+          </a:ln>
+          <a:effectLst>
+            <a:reflection blurRad="12700" stA="38000" endPos="28000" dist="5000" dir="5400000" sy="-100000" algn="bl" rotWithShape="0"/>
+          </a:effectLst>
+        </p:spPr>
+      </p:pic>
+    </p:spTree>
+    <p:extLst>
+      <p:ext uri="{BB962C8B-B14F-4D97-AF65-F5344CB8AC3E}">
+        <p14:creationId xmlns:p14="http://schemas.microsoft.com/office/powerpoint/2010/main" val="211707900"/>
+      </p:ext>
+    </p:extLst>
+  </p:cSld>
+  <p:clrMapOvr>
+    <a:masterClrMapping/>
+  </p:clrMapOvr>
+</p:sld>
+</file>
+
+<file path=ppt/slides/slide17.xml><?xml version="1.0" encoding="utf-8"?>
+<p:sld xmlns:a="http://schemas.openxmlformats.org/drawingml/2006/main" xmlns:r="http://schemas.openxmlformats.org/officeDocument/2006/relationships" xmlns:p="http://schemas.openxmlformats.org/presentationml/2006/main">
+  <p:cSld>
+    <p:spTree>
+      <p:nvGrpSpPr>
+        <p:cNvPr id="1" name=""/>
+        <p:cNvGrpSpPr/>
+        <p:nvPr/>
+      </p:nvGrpSpPr>
+      <p:grpSpPr>
+        <a:xfrm>
+          <a:off x="0" y="0"/>
+          <a:ext cx="0" cy="0"/>
+          <a:chOff x="0" y="0"/>
+          <a:chExt cx="0" cy="0"/>
+        </a:xfrm>
+      </p:grpSpPr>
+      <p:sp>
+        <p:nvSpPr>
+          <p:cNvPr id="4" name="Title 3">
+            <a:extLst>
+              <a:ext uri="{FF2B5EF4-FFF2-40B4-BE49-F238E27FC236}">
+                <a16:creationId xmlns:a16="http://schemas.microsoft.com/office/drawing/2014/main" id="{A16CA5D9-CB63-2799-DAD4-85F1CD9EA811}"/>
+              </a:ext>
+            </a:extLst>
+          </p:cNvPr>
+          <p:cNvSpPr>
+            <a:spLocks noGrp="1"/>
+          </p:cNvSpPr>
+          <p:nvPr>
+            <p:ph type="title"/>
+          </p:nvPr>
+        </p:nvSpPr>
+        <p:spPr>
+          <a:xfrm>
+            <a:off x="286871" y="764373"/>
+            <a:ext cx="11219329" cy="1293028"/>
+          </a:xfrm>
+        </p:spPr>
+        <p:txBody>
+          <a:bodyPr/>
+          <a:lstStyle/>
+          <a:p>
+            <a:pPr algn="ctr" rtl="1"/>
+            <a:r>
+              <a:rPr lang="fa-IR" dirty="0">
+                <a:cs typeface="B Titr" panose="00000700000000000000" pitchFamily="2" charset="-78"/>
+              </a:rPr>
+              <a:t>برنامه نویسی با </a:t>
+            </a:r>
+            <a:r>
+              <a:rPr lang="en-US" dirty="0">
+                <a:cs typeface="B Titr" panose="00000700000000000000" pitchFamily="2" charset="-78"/>
+              </a:rPr>
+              <a:t>Arduino</a:t>
+            </a:r>
+          </a:p>
+        </p:txBody>
+      </p:sp>
+      <p:pic>
+        <p:nvPicPr>
+          <p:cNvPr id="3" name="Picture 2">
+            <a:extLst>
+              <a:ext uri="{FF2B5EF4-FFF2-40B4-BE49-F238E27FC236}">
+                <a16:creationId xmlns:a16="http://schemas.microsoft.com/office/drawing/2014/main" id="{3D0DB4BB-6DAC-4B0A-45AA-AACEEC698765}"/>
+              </a:ext>
+            </a:extLst>
+          </p:cNvPr>
+          <p:cNvPicPr>
+            <a:picLocks noChangeAspect="1"/>
+          </p:cNvPicPr>
+          <p:nvPr/>
+        </p:nvPicPr>
+        <p:blipFill>
+          <a:blip r:embed="rId2"/>
+          <a:stretch>
+            <a:fillRect/>
+          </a:stretch>
+        </p:blipFill>
+        <p:spPr>
+          <a:xfrm>
+            <a:off x="457199" y="3269559"/>
+            <a:ext cx="5397305" cy="2284077"/>
+          </a:xfrm>
+          <a:prstGeom prst="rect">
+            <a:avLst/>
+          </a:prstGeom>
+        </p:spPr>
+      </p:pic>
+      <p:sp>
+        <p:nvSpPr>
+          <p:cNvPr id="2" name="Content Placeholder 2">
+            <a:extLst>
+              <a:ext uri="{FF2B5EF4-FFF2-40B4-BE49-F238E27FC236}">
+                <a16:creationId xmlns:a16="http://schemas.microsoft.com/office/drawing/2014/main" id="{0F816E16-A668-257A-2B2F-C5B1D878860A}"/>
+              </a:ext>
+            </a:extLst>
+          </p:cNvPr>
+          <p:cNvSpPr txBox="1">
+            <a:spLocks/>
+          </p:cNvSpPr>
+          <p:nvPr/>
+        </p:nvSpPr>
+        <p:spPr>
+          <a:xfrm>
+            <a:off x="1053353" y="2203525"/>
+            <a:ext cx="10820400" cy="4024125"/>
+          </a:xfrm>
+          <a:prstGeom prst="rect">
+            <a:avLst/>
+          </a:prstGeom>
+        </p:spPr>
+        <p:txBody>
+          <a:bodyPr vert="horz" lIns="91440" tIns="45720" rIns="91440" bIns="45720" rtlCol="0">
+            <a:normAutofit/>
+          </a:bodyPr>
+          <a:lstStyle>
+            <a:lvl1pPr marL="228600" indent="-228600" algn="l" defTabSz="914400" rtl="0" eaLnBrk="1" latinLnBrk="0" hangingPunct="1">
+              <a:lnSpc>
+                <a:spcPct val="90000"/>
+              </a:lnSpc>
+              <a:spcBef>
+                <a:spcPts val="1000"/>
+              </a:spcBef>
+              <a:buFont typeface="Arial" panose="020B0604020202020204" pitchFamily="34" charset="0"/>
+              <a:buChar char="•"/>
+              <a:defRPr sz="2200" kern="1200">
+                <a:solidFill>
+                  <a:schemeClr val="tx1"/>
+                </a:solidFill>
+                <a:latin typeface="+mn-lt"/>
+                <a:ea typeface="+mn-ea"/>
+                <a:cs typeface="+mn-cs"/>
+              </a:defRPr>
+            </a:lvl1pPr>
+            <a:lvl2pPr marL="685800" indent="-228600" algn="l" defTabSz="914400" rtl="0" eaLnBrk="1" latinLnBrk="0" hangingPunct="1">
+              <a:lnSpc>
+                <a:spcPct val="90000"/>
+              </a:lnSpc>
+              <a:spcBef>
+                <a:spcPts val="500"/>
+              </a:spcBef>
+              <a:buFont typeface="Arial" panose="020B0604020202020204" pitchFamily="34" charset="0"/>
+              <a:buChar char="•"/>
+              <a:defRPr sz="2000" kern="1200">
+                <a:solidFill>
+                  <a:schemeClr val="tx1"/>
+                </a:solidFill>
+                <a:latin typeface="+mn-lt"/>
+                <a:ea typeface="+mn-ea"/>
+                <a:cs typeface="+mn-cs"/>
+              </a:defRPr>
+            </a:lvl2pPr>
+            <a:lvl3pPr marL="1143000" indent="-228600" algn="l" defTabSz="914400" rtl="0" eaLnBrk="1" latinLnBrk="0" hangingPunct="1">
+              <a:lnSpc>
+                <a:spcPct val="90000"/>
+              </a:lnSpc>
+              <a:spcBef>
+                <a:spcPts val="500"/>
+              </a:spcBef>
+              <a:buFont typeface="Arial" panose="020B0604020202020204" pitchFamily="34" charset="0"/>
+              <a:buChar char="•"/>
+              <a:defRPr sz="1800" kern="1200">
+                <a:solidFill>
+                  <a:schemeClr val="tx1"/>
+                </a:solidFill>
+                <a:latin typeface="+mn-lt"/>
+                <a:ea typeface="+mn-ea"/>
+                <a:cs typeface="+mn-cs"/>
+              </a:defRPr>
+            </a:lvl3pPr>
+            <a:lvl4pPr marL="1600200" indent="-228600" algn="l" defTabSz="914400" rtl="0" eaLnBrk="1" latinLnBrk="0" hangingPunct="1">
+              <a:lnSpc>
+                <a:spcPct val="90000"/>
+              </a:lnSpc>
+              <a:spcBef>
+                <a:spcPts val="500"/>
+              </a:spcBef>
+              <a:buFont typeface="Arial" panose="020B0604020202020204" pitchFamily="34" charset="0"/>
+              <a:buChar char="•"/>
+              <a:defRPr sz="1600" kern="1200">
+                <a:solidFill>
+                  <a:schemeClr val="tx1"/>
+                </a:solidFill>
+                <a:latin typeface="+mn-lt"/>
+                <a:ea typeface="+mn-ea"/>
+                <a:cs typeface="+mn-cs"/>
+              </a:defRPr>
+            </a:lvl4pPr>
+            <a:lvl5pPr marL="2057400" indent="-228600" algn="l" defTabSz="914400" rtl="0" eaLnBrk="1" latinLnBrk="0" hangingPunct="1">
+              <a:lnSpc>
+                <a:spcPct val="90000"/>
+              </a:lnSpc>
+              <a:spcBef>
+                <a:spcPts val="500"/>
+              </a:spcBef>
+              <a:buFont typeface="Arial" panose="020B0604020202020204" pitchFamily="34" charset="0"/>
+              <a:buChar char="•"/>
+              <a:defRPr sz="1600" kern="1200">
+                <a:solidFill>
+                  <a:schemeClr val="tx1"/>
+                </a:solidFill>
+                <a:latin typeface="+mn-lt"/>
+                <a:ea typeface="+mn-ea"/>
+                <a:cs typeface="+mn-cs"/>
+              </a:defRPr>
+            </a:lvl5pPr>
+            <a:lvl6pPr marL="2514600" indent="-228600" algn="l" defTabSz="914400" rtl="0" eaLnBrk="1" latinLnBrk="0" hangingPunct="1">
+              <a:lnSpc>
+                <a:spcPct val="90000"/>
+              </a:lnSpc>
+              <a:spcBef>
+                <a:spcPts val="500"/>
+              </a:spcBef>
+              <a:buFont typeface="Arial" panose="020B0604020202020204" pitchFamily="34" charset="0"/>
+              <a:buChar char="•"/>
+              <a:defRPr sz="1600" kern="1200">
+                <a:solidFill>
+                  <a:schemeClr val="tx1"/>
+                </a:solidFill>
+                <a:latin typeface="+mn-lt"/>
+                <a:ea typeface="+mn-ea"/>
+                <a:cs typeface="+mn-cs"/>
+              </a:defRPr>
+            </a:lvl6pPr>
+            <a:lvl7pPr marL="2971800" indent="-228600" algn="l" defTabSz="914400" rtl="0" eaLnBrk="1" latinLnBrk="0" hangingPunct="1">
+              <a:lnSpc>
+                <a:spcPct val="90000"/>
+              </a:lnSpc>
+              <a:spcBef>
+                <a:spcPts val="500"/>
+              </a:spcBef>
+              <a:buFont typeface="Arial" panose="020B0604020202020204" pitchFamily="34" charset="0"/>
+              <a:buChar char="•"/>
+              <a:defRPr sz="1600" kern="1200">
+                <a:solidFill>
+                  <a:schemeClr val="tx1"/>
+                </a:solidFill>
+                <a:latin typeface="+mn-lt"/>
+                <a:ea typeface="+mn-ea"/>
+                <a:cs typeface="+mn-cs"/>
+              </a:defRPr>
+            </a:lvl7pPr>
+            <a:lvl8pPr marL="3429000" indent="-228600" algn="l" defTabSz="914400" rtl="0" eaLnBrk="1" latinLnBrk="0" hangingPunct="1">
+              <a:lnSpc>
+                <a:spcPct val="90000"/>
+              </a:lnSpc>
+              <a:spcBef>
+                <a:spcPts val="500"/>
+              </a:spcBef>
+              <a:buFont typeface="Arial" panose="020B0604020202020204" pitchFamily="34" charset="0"/>
+              <a:buChar char="•"/>
+              <a:defRPr sz="1600" kern="1200">
+                <a:solidFill>
+                  <a:schemeClr val="tx1"/>
+                </a:solidFill>
+                <a:latin typeface="+mn-lt"/>
+                <a:ea typeface="+mn-ea"/>
+                <a:cs typeface="+mn-cs"/>
+              </a:defRPr>
+            </a:lvl8pPr>
+            <a:lvl9pPr marL="3886200" indent="-228600" algn="l" defTabSz="914400" rtl="0" eaLnBrk="1" latinLnBrk="0" hangingPunct="1">
+              <a:lnSpc>
+                <a:spcPct val="90000"/>
+              </a:lnSpc>
+              <a:spcBef>
+                <a:spcPts val="500"/>
+              </a:spcBef>
+              <a:buFont typeface="Arial" panose="020B0604020202020204" pitchFamily="34" charset="0"/>
+              <a:buChar char="•"/>
+              <a:defRPr sz="1600" kern="1200">
+                <a:solidFill>
+                  <a:schemeClr val="tx1"/>
+                </a:solidFill>
+                <a:latin typeface="+mn-lt"/>
+                <a:ea typeface="+mn-ea"/>
+                <a:cs typeface="+mn-cs"/>
+              </a:defRPr>
+            </a:lvl9pPr>
+          </a:lstStyle>
+          <a:p>
+            <a:pPr algn="r" rtl="1"/>
+            <a:r>
+              <a:rPr lang="en-US" dirty="0">
+                <a:cs typeface="B Yekan" panose="00000400000000000000" pitchFamily="2" charset="-78"/>
+              </a:rPr>
+              <a:t>High Level </a:t>
+            </a:r>
+          </a:p>
+          <a:p>
+            <a:pPr algn="r" rtl="1"/>
+            <a:r>
+              <a:rPr lang="fa-IR" dirty="0">
+                <a:cs typeface="B Yekan" panose="00000400000000000000" pitchFamily="2" charset="-78"/>
+              </a:rPr>
+              <a:t>بر پایه </a:t>
+            </a:r>
+            <a:r>
+              <a:rPr lang="en-US" dirty="0">
+                <a:cs typeface="B Yekan" panose="00000400000000000000" pitchFamily="2" charset="-78"/>
+              </a:rPr>
+              <a:t>C</a:t>
+            </a:r>
+            <a:r>
+              <a:rPr lang="fa-IR" dirty="0">
+                <a:cs typeface="B Yekan" panose="00000400000000000000" pitchFamily="2" charset="-78"/>
+              </a:rPr>
+              <a:t> نوشته شده است.</a:t>
+            </a:r>
+          </a:p>
+          <a:p>
+            <a:pPr algn="r" rtl="1"/>
+            <a:r>
+              <a:rPr lang="fa-IR" dirty="0">
+                <a:cs typeface="B Yekan" panose="00000400000000000000" pitchFamily="2" charset="-78"/>
+              </a:rPr>
+              <a:t>با کمک توابع پیش تعریف بسیاری از </a:t>
+            </a:r>
+          </a:p>
+          <a:p>
+            <a:pPr marL="0" indent="0" algn="r" rtl="1">
+              <a:buNone/>
+            </a:pPr>
+            <a:r>
+              <a:rPr lang="fa-IR" dirty="0">
+                <a:cs typeface="B Yekan" panose="00000400000000000000" pitchFamily="2" charset="-78"/>
+              </a:rPr>
+              <a:t>امور را انجام می دهد.</a:t>
+            </a:r>
+          </a:p>
+          <a:p>
+            <a:pPr algn="r" rtl="1"/>
+            <a:r>
+              <a:rPr lang="fa-IR" dirty="0">
+                <a:cs typeface="B Yekan" panose="00000400000000000000" pitchFamily="2" charset="-78"/>
+              </a:rPr>
+              <a:t>نیاز به یادگیری زبان برنامه نویسی سخت نیست.</a:t>
+            </a:r>
+          </a:p>
+          <a:p>
+            <a:pPr algn="r" rtl="1"/>
+            <a:r>
+              <a:rPr lang="fa-IR" dirty="0">
+                <a:cs typeface="B Yekan" panose="00000400000000000000" pitchFamily="2" charset="-78"/>
+              </a:rPr>
+              <a:t>سطح بالاست و درگیری شما با سخت افزار کم است</a:t>
+            </a:r>
+          </a:p>
+          <a:p>
+            <a:pPr algn="r" rtl="1"/>
+            <a:r>
+              <a:rPr lang="fa-IR">
+                <a:cs typeface="B Yekan" panose="00000400000000000000" pitchFamily="2" charset="-78"/>
+              </a:rPr>
+              <a:t>مثال های بسیار متنوع دارد.</a:t>
+            </a:r>
+            <a:endParaRPr lang="fa-IR" dirty="0">
+              <a:cs typeface="B Yekan" panose="00000400000000000000" pitchFamily="2" charset="-78"/>
+            </a:endParaRPr>
+          </a:p>
+          <a:p>
+            <a:pPr algn="r" rtl="1"/>
+            <a:endParaRPr lang="en-US" dirty="0">
+              <a:cs typeface="B Yekan" panose="00000400000000000000" pitchFamily="2" charset="-78"/>
+            </a:endParaRPr>
+          </a:p>
+        </p:txBody>
+      </p:sp>
+    </p:spTree>
+    <p:extLst>
+      <p:ext uri="{BB962C8B-B14F-4D97-AF65-F5344CB8AC3E}">
+        <p14:creationId xmlns:p14="http://schemas.microsoft.com/office/powerpoint/2010/main" val="2688988768"/>
       </p:ext>
     </p:extLst>
   </p:cSld>
